--- a/Chatbot 101 - Dashbot v2.pptx
+++ b/Chatbot 101 - Dashbot v2.pptx
@@ -223,7 +223,7 @@
           <a:p>
             <a:fld id="{26BE012A-D992-5D42-B86E-AA2BC0764EE1}" type="datetimeFigureOut">
               <a:rPr lang="en-US" smtClean="0"/>
-              <a:t>2/27/18</a:t>
+              <a:t>2/28/18</a:t>
             </a:fld>
             <a:endParaRPr lang="en-US"/>
           </a:p>
@@ -34294,7 +34294,7 @@
         <p:spPr>
           <a:xfrm>
             <a:off x="2145323" y="3295130"/>
-            <a:ext cx="6453553" cy="1323439"/>
+            <a:ext cx="6453553" cy="1015663"/>
           </a:xfrm>
           <a:prstGeom prst="rect">
             <a:avLst/>
@@ -34316,75 +34316,50 @@
           <a:lstStyle/>
           <a:p>
             <a:r>
+              <a:rPr lang="en-US" sz="2000" dirty="0" smtClean="0">
+                <a:ea typeface="Helvetica Neue" charset="0"/>
+                <a:cs typeface="Helvetica Neue" charset="0"/>
+                <a:hlinkClick r:id="rId3"/>
+              </a:rPr>
+              <a:t>https</a:t>
+            </a:r>
+            <a:r>
               <a:rPr lang="en-US" sz="2000" dirty="0">
                 <a:ea typeface="Helvetica Neue" charset="0"/>
                 <a:cs typeface="Helvetica Neue" charset="0"/>
+                <a:hlinkClick r:id="rId3"/>
               </a:rPr>
-              <a:t>Pizza Ordering </a:t>
-            </a:r>
-            <a:r>
-              <a:rPr lang="en-US" sz="2000" dirty="0" err="1">
+              <a:t>://</a:t>
+            </a:r>
+            <a:r>
+              <a:rPr lang="en-US" sz="2000" dirty="0" smtClean="0">
+                <a:ea typeface="Helvetica Neue" charset="0"/>
+                <a:cs typeface="Helvetica Neue" charset="0"/>
+                <a:hlinkClick r:id="rId3"/>
+              </a:rPr>
+              <a:t>github.com/akeller/chatbot-dashbot</a:t>
+            </a:r>
+            <a:r>
+              <a:rPr lang="en-US" sz="2000" smtClean="0">
+                <a:ea typeface="Helvetica Neue" charset="0"/>
+                <a:cs typeface="Helvetica Neue" charset="0"/>
+                <a:hlinkClick r:id="rId3"/>
+              </a:rPr>
+              <a:t>-workshop</a:t>
+            </a:r>
+            <a:endParaRPr lang="en-US" sz="2000" smtClean="0">
+              <a:ea typeface="Helvetica Neue" charset="0"/>
+              <a:cs typeface="Helvetica Neue" charset="0"/>
+            </a:endParaRPr>
+          </a:p>
+          <a:p>
+            <a:r>
+              <a:rPr lang="en-US" sz="2000" smtClean="0">
                 <a:ea typeface="Helvetica Neue" charset="0"/>
                 <a:cs typeface="Helvetica Neue" charset="0"/>
               </a:rPr>
-              <a:t>Chatbot</a:t>
-            </a:r>
-            <a:r>
-              <a:rPr lang="en-US" sz="2000" dirty="0">
-                <a:ea typeface="Helvetica Neue" charset="0"/>
-                <a:cs typeface="Helvetica Neue" charset="0"/>
-              </a:rPr>
-              <a:t>: </a:t>
-            </a:r>
-            <a:r>
-              <a:rPr lang="en-US" sz="2000" dirty="0">
-                <a:ea typeface="Helvetica Neue" charset="0"/>
-                <a:cs typeface="Helvetica Neue" charset="0"/>
-                <a:hlinkClick r:id="rId3" action="ppaction://hlinkfile"/>
-              </a:rPr>
-              <a:t>ibm.biz/pizzachatbot</a:t>
-            </a:r>
-            <a:endParaRPr lang="en-US" sz="2000" dirty="0">
-              <a:ea typeface="Helvetica Neue" charset="0"/>
-              <a:cs typeface="Helvetica Neue" charset="0"/>
-            </a:endParaRPr>
-          </a:p>
-          <a:p>
-            <a:r>
-              <a:rPr lang="en-US" sz="2000" dirty="0">
-                <a:ea typeface="Helvetica Neue" charset="0"/>
-                <a:cs typeface="Helvetica Neue" charset="0"/>
-              </a:rPr>
-              <a:t>Cognitive Banking </a:t>
-            </a:r>
-            <a:r>
-              <a:rPr lang="en-US" sz="2000" dirty="0" err="1">
-                <a:ea typeface="Helvetica Neue" charset="0"/>
-                <a:cs typeface="Helvetica Neue" charset="0"/>
-              </a:rPr>
-              <a:t>Chatbot</a:t>
-            </a:r>
-            <a:r>
-              <a:rPr lang="en-US" sz="2000" dirty="0">
-                <a:ea typeface="Helvetica Neue" charset="0"/>
-                <a:cs typeface="Helvetica Neue" charset="0"/>
-              </a:rPr>
-              <a:t>: </a:t>
-            </a:r>
-            <a:r>
-              <a:rPr lang="en-US" sz="2000" dirty="0" smtClean="0">
-                <a:ea typeface="Helvetica Neue" charset="0"/>
-                <a:cs typeface="Helvetica Neue" charset="0"/>
-                <a:hlinkClick r:id="rId4" action="ppaction://hlinkfile"/>
-              </a:rPr>
-              <a:t>ibm.biz/bankingchatbot</a:t>
-            </a:r>
-            <a:endParaRPr lang="en-US" sz="2000" dirty="0" smtClean="0">
-              <a:ea typeface="Helvetica Neue" charset="0"/>
-              <a:cs typeface="Helvetica Neue" charset="0"/>
-            </a:endParaRPr>
-          </a:p>
-          <a:p>
+              <a:t> </a:t>
+            </a:r>
             <a:endParaRPr lang="en-US" sz="2000" dirty="0">
               <a:ea typeface="Helvetica Neue" charset="0"/>
               <a:cs typeface="Helvetica Neue" charset="0"/>
@@ -34402,7 +34377,7 @@
               <a:rPr lang="en-US" sz="2000" dirty="0" err="1" smtClean="0">
                 <a:ea typeface="Helvetica Neue" charset="0"/>
                 <a:cs typeface="Helvetica Neue" charset="0"/>
-                <a:hlinkClick r:id="rId5" action="ppaction://hlinkfile"/>
+                <a:hlinkClick r:id="rId4" action="ppaction://hlinkfile"/>
               </a:rPr>
               <a:t>ibm.biz</a:t>
             </a:r>
@@ -34410,7 +34385,7 @@
               <a:rPr lang="en-US" sz="2000" dirty="0" smtClean="0">
                 <a:ea typeface="Helvetica Neue" charset="0"/>
                 <a:cs typeface="Helvetica Neue" charset="0"/>
-                <a:hlinkClick r:id="rId5" action="ppaction://hlinkfile"/>
+                <a:hlinkClick r:id="rId4" action="ppaction://hlinkfile"/>
               </a:rPr>
               <a:t>/chatbot022818</a:t>
             </a:r>
@@ -35062,11 +35037,6 @@
               </a:rPr>
               <a:t> </a:t>
             </a:r>
-            <a:endParaRPr lang="en-US" dirty="0" smtClean="0">
-              <a:latin typeface="+mj-lt"/>
-              <a:ea typeface="Helvetica Neue" charset="0"/>
-              <a:cs typeface="Helvetica Neue" charset="0"/>
-            </a:endParaRPr>
           </a:p>
           <a:p>
             <a:r>
@@ -36278,6 +36248,196 @@
           </a:p>
         </p:txBody>
       </p:sp>
+      <p:sp>
+        <p:nvSpPr>
+          <p:cNvPr id="22" name="TextBox 21"/>
+          <p:cNvSpPr txBox="1"/>
+          <p:nvPr/>
+        </p:nvSpPr>
+        <p:spPr>
+          <a:xfrm>
+            <a:off x="3688442" y="3903886"/>
+            <a:ext cx="814647" cy="300082"/>
+          </a:xfrm>
+          <a:prstGeom prst="rect">
+            <a:avLst/>
+          </a:prstGeom>
+          <a:noFill/>
+        </p:spPr>
+        <p:txBody>
+          <a:bodyPr wrap="none" rtlCol="0">
+            <a:spAutoFit/>
+          </a:bodyPr>
+          <a:lstStyle/>
+          <a:p>
+            <a:r>
+              <a:rPr lang="en-US" b="1" dirty="0" err="1" smtClean="0">
+                <a:solidFill>
+                  <a:schemeClr val="accent3"/>
+                </a:solidFill>
+              </a:rPr>
+              <a:t>NodeJS</a:t>
+            </a:r>
+            <a:endParaRPr lang="en-US" b="1" dirty="0">
+              <a:solidFill>
+                <a:schemeClr val="accent3"/>
+              </a:solidFill>
+            </a:endParaRPr>
+          </a:p>
+        </p:txBody>
+      </p:sp>
+      <p:sp>
+        <p:nvSpPr>
+          <p:cNvPr id="23" name="TextBox 22"/>
+          <p:cNvSpPr txBox="1"/>
+          <p:nvPr/>
+        </p:nvSpPr>
+        <p:spPr>
+          <a:xfrm>
+            <a:off x="7653005" y="4093800"/>
+            <a:ext cx="861133" cy="300082"/>
+          </a:xfrm>
+          <a:prstGeom prst="rect">
+            <a:avLst/>
+          </a:prstGeom>
+          <a:noFill/>
+        </p:spPr>
+        <p:txBody>
+          <a:bodyPr wrap="none" rtlCol="0">
+            <a:spAutoFit/>
+          </a:bodyPr>
+          <a:lstStyle/>
+          <a:p>
+            <a:r>
+              <a:rPr lang="en-US" b="1" dirty="0" err="1" smtClean="0">
+                <a:solidFill>
+                  <a:schemeClr val="accent3"/>
+                </a:solidFill>
+              </a:rPr>
+              <a:t>Dashbot</a:t>
+            </a:r>
+            <a:endParaRPr lang="en-US" b="1" dirty="0">
+              <a:solidFill>
+                <a:schemeClr val="accent3"/>
+              </a:solidFill>
+            </a:endParaRPr>
+          </a:p>
+        </p:txBody>
+      </p:sp>
+      <p:sp>
+        <p:nvSpPr>
+          <p:cNvPr id="24" name="TextBox 23"/>
+          <p:cNvSpPr txBox="1"/>
+          <p:nvPr/>
+        </p:nvSpPr>
+        <p:spPr>
+          <a:xfrm>
+            <a:off x="6033362" y="1013537"/>
+            <a:ext cx="1192955" cy="300082"/>
+          </a:xfrm>
+          <a:prstGeom prst="rect">
+            <a:avLst/>
+          </a:prstGeom>
+          <a:noFill/>
+        </p:spPr>
+        <p:txBody>
+          <a:bodyPr wrap="none" rtlCol="0">
+            <a:spAutoFit/>
+          </a:bodyPr>
+          <a:lstStyle/>
+          <a:p>
+            <a:r>
+              <a:rPr lang="en-US" b="1" smtClean="0">
+                <a:solidFill>
+                  <a:schemeClr val="accent3"/>
+                </a:solidFill>
+              </a:rPr>
+              <a:t>Chat portion</a:t>
+            </a:r>
+            <a:endParaRPr lang="en-US" b="1" dirty="0">
+              <a:solidFill>
+                <a:schemeClr val="accent3"/>
+              </a:solidFill>
+            </a:endParaRPr>
+          </a:p>
+        </p:txBody>
+      </p:sp>
+      <p:sp>
+        <p:nvSpPr>
+          <p:cNvPr id="25" name="TextBox 24"/>
+          <p:cNvSpPr txBox="1"/>
+          <p:nvPr/>
+        </p:nvSpPr>
+        <p:spPr>
+          <a:xfrm>
+            <a:off x="784748" y="1023562"/>
+            <a:ext cx="631904" cy="300082"/>
+          </a:xfrm>
+          <a:prstGeom prst="rect">
+            <a:avLst/>
+          </a:prstGeom>
+          <a:noFill/>
+        </p:spPr>
+        <p:txBody>
+          <a:bodyPr wrap="none" rtlCol="0">
+            <a:spAutoFit/>
+          </a:bodyPr>
+          <a:lstStyle/>
+          <a:p>
+            <a:r>
+              <a:rPr lang="en-US" b="1" smtClean="0">
+                <a:solidFill>
+                  <a:schemeClr val="accent3"/>
+                </a:solidFill>
+              </a:rPr>
+              <a:t>Slack</a:t>
+            </a:r>
+            <a:endParaRPr lang="en-US" b="1" dirty="0">
+              <a:solidFill>
+                <a:schemeClr val="accent3"/>
+              </a:solidFill>
+            </a:endParaRPr>
+          </a:p>
+        </p:txBody>
+      </p:sp>
+      <p:sp>
+        <p:nvSpPr>
+          <p:cNvPr id="26" name="Rectangle 25"/>
+          <p:cNvSpPr/>
+          <p:nvPr/>
+        </p:nvSpPr>
+        <p:spPr>
+          <a:xfrm>
+            <a:off x="3199474" y="106680"/>
+            <a:ext cx="5807365" cy="4922520"/>
+          </a:xfrm>
+          <a:prstGeom prst="rect">
+            <a:avLst/>
+          </a:prstGeom>
+          <a:ln w="41275">
+            <a:solidFill>
+              <a:schemeClr val="tx1"/>
+            </a:solidFill>
+            <a:prstDash val="dash"/>
+          </a:ln>
+        </p:spPr>
+        <p:txBody>
+          <a:bodyPr wrap="square" lIns="0" tIns="0" rIns="0" bIns="0" rtlCol="0" anchor="ctr">
+            <a:noAutofit/>
+          </a:bodyPr>
+          <a:lstStyle/>
+          <a:p>
+            <a:pPr algn="ctr"/>
+            <a:endParaRPr lang="en-US" sz="1200" dirty="0" err="1">
+              <a:solidFill>
+                <a:srgbClr val="FFFFFF"/>
+              </a:solidFill>
+              <a:latin typeface="Arial"/>
+              <a:cs typeface="Arial"/>
+            </a:endParaRPr>
+          </a:p>
+        </p:txBody>
+      </p:sp>
     </p:spTree>
     <p:extLst>
       <p:ext uri="{BB962C8B-B14F-4D97-AF65-F5344CB8AC3E}">
@@ -36291,9 +36451,210 @@
   <p:timing>
     <p:tnLst>
       <p:par>
-        <p:cTn id="1" dur="indefinite" restart="never" nodeType="tmRoot"/>
+        <p:cTn id="1" dur="indefinite" restart="never" nodeType="tmRoot">
+          <p:childTnLst>
+            <p:seq concurrent="1" nextAc="seek">
+              <p:cTn id="2" dur="indefinite" nodeType="mainSeq">
+                <p:childTnLst>
+                  <p:par>
+                    <p:cTn id="3" fill="hold">
+                      <p:stCondLst>
+                        <p:cond delay="indefinite"/>
+                      </p:stCondLst>
+                      <p:childTnLst>
+                        <p:par>
+                          <p:cTn id="4" fill="hold">
+                            <p:stCondLst>
+                              <p:cond delay="0"/>
+                            </p:stCondLst>
+                            <p:childTnLst>
+                              <p:par>
+                                <p:cTn id="5" presetID="1" presetClass="entr" presetSubtype="0" fill="hold" grpId="0" nodeType="clickEffect">
+                                  <p:stCondLst>
+                                    <p:cond delay="0"/>
+                                  </p:stCondLst>
+                                  <p:childTnLst>
+                                    <p:set>
+                                      <p:cBhvr>
+                                        <p:cTn id="6" dur="1" fill="hold">
+                                          <p:stCondLst>
+                                            <p:cond delay="0"/>
+                                          </p:stCondLst>
+                                        </p:cTn>
+                                        <p:tgtEl>
+                                          <p:spTgt spid="25"/>
+                                        </p:tgtEl>
+                                        <p:attrNameLst>
+                                          <p:attrName>style.visibility</p:attrName>
+                                        </p:attrNameLst>
+                                      </p:cBhvr>
+                                      <p:to>
+                                        <p:strVal val="visible"/>
+                                      </p:to>
+                                    </p:set>
+                                  </p:childTnLst>
+                                </p:cTn>
+                              </p:par>
+                              <p:par>
+                                <p:cTn id="7" presetID="1" presetClass="entr" presetSubtype="0" fill="hold" grpId="0" nodeType="withEffect">
+                                  <p:stCondLst>
+                                    <p:cond delay="0"/>
+                                  </p:stCondLst>
+                                  <p:childTnLst>
+                                    <p:set>
+                                      <p:cBhvr>
+                                        <p:cTn id="8" dur="1" fill="hold">
+                                          <p:stCondLst>
+                                            <p:cond delay="0"/>
+                                          </p:stCondLst>
+                                        </p:cTn>
+                                        <p:tgtEl>
+                                          <p:spTgt spid="22"/>
+                                        </p:tgtEl>
+                                        <p:attrNameLst>
+                                          <p:attrName>style.visibility</p:attrName>
+                                        </p:attrNameLst>
+                                      </p:cBhvr>
+                                      <p:to>
+                                        <p:strVal val="visible"/>
+                                      </p:to>
+                                    </p:set>
+                                  </p:childTnLst>
+                                </p:cTn>
+                              </p:par>
+                              <p:par>
+                                <p:cTn id="9" presetID="1" presetClass="entr" presetSubtype="0" fill="hold" grpId="0" nodeType="withEffect">
+                                  <p:stCondLst>
+                                    <p:cond delay="0"/>
+                                  </p:stCondLst>
+                                  <p:childTnLst>
+                                    <p:set>
+                                      <p:cBhvr>
+                                        <p:cTn id="10" dur="1" fill="hold">
+                                          <p:stCondLst>
+                                            <p:cond delay="0"/>
+                                          </p:stCondLst>
+                                        </p:cTn>
+                                        <p:tgtEl>
+                                          <p:spTgt spid="23"/>
+                                        </p:tgtEl>
+                                        <p:attrNameLst>
+                                          <p:attrName>style.visibility</p:attrName>
+                                        </p:attrNameLst>
+                                      </p:cBhvr>
+                                      <p:to>
+                                        <p:strVal val="visible"/>
+                                      </p:to>
+                                    </p:set>
+                                  </p:childTnLst>
+                                </p:cTn>
+                              </p:par>
+                              <p:par>
+                                <p:cTn id="11" presetID="1" presetClass="entr" presetSubtype="0" fill="hold" grpId="0" nodeType="withEffect">
+                                  <p:stCondLst>
+                                    <p:cond delay="0"/>
+                                  </p:stCondLst>
+                                  <p:childTnLst>
+                                    <p:set>
+                                      <p:cBhvr>
+                                        <p:cTn id="12" dur="1" fill="hold">
+                                          <p:stCondLst>
+                                            <p:cond delay="0"/>
+                                          </p:stCondLst>
+                                        </p:cTn>
+                                        <p:tgtEl>
+                                          <p:spTgt spid="24"/>
+                                        </p:tgtEl>
+                                        <p:attrNameLst>
+                                          <p:attrName>style.visibility</p:attrName>
+                                        </p:attrNameLst>
+                                      </p:cBhvr>
+                                      <p:to>
+                                        <p:strVal val="visible"/>
+                                      </p:to>
+                                    </p:set>
+                                  </p:childTnLst>
+                                </p:cTn>
+                              </p:par>
+                            </p:childTnLst>
+                          </p:cTn>
+                        </p:par>
+                      </p:childTnLst>
+                    </p:cTn>
+                  </p:par>
+                  <p:par>
+                    <p:cTn id="13" fill="hold">
+                      <p:stCondLst>
+                        <p:cond delay="indefinite"/>
+                      </p:stCondLst>
+                      <p:childTnLst>
+                        <p:par>
+                          <p:cTn id="14" fill="hold">
+                            <p:stCondLst>
+                              <p:cond delay="0"/>
+                            </p:stCondLst>
+                            <p:childTnLst>
+                              <p:par>
+                                <p:cTn id="15" presetID="1" presetClass="entr" presetSubtype="0" fill="hold" grpId="0" nodeType="clickEffect">
+                                  <p:stCondLst>
+                                    <p:cond delay="0"/>
+                                  </p:stCondLst>
+                                  <p:childTnLst>
+                                    <p:set>
+                                      <p:cBhvr>
+                                        <p:cTn id="16" dur="1" fill="hold">
+                                          <p:stCondLst>
+                                            <p:cond delay="0"/>
+                                          </p:stCondLst>
+                                        </p:cTn>
+                                        <p:tgtEl>
+                                          <p:spTgt spid="26"/>
+                                        </p:tgtEl>
+                                        <p:attrNameLst>
+                                          <p:attrName>style.visibility</p:attrName>
+                                        </p:attrNameLst>
+                                      </p:cBhvr>
+                                      <p:to>
+                                        <p:strVal val="visible"/>
+                                      </p:to>
+                                    </p:set>
+                                  </p:childTnLst>
+                                </p:cTn>
+                              </p:par>
+                            </p:childTnLst>
+                          </p:cTn>
+                        </p:par>
+                      </p:childTnLst>
+                    </p:cTn>
+                  </p:par>
+                </p:childTnLst>
+              </p:cTn>
+              <p:prevCondLst>
+                <p:cond evt="onPrev" delay="0">
+                  <p:tgtEl>
+                    <p:sldTgt/>
+                  </p:tgtEl>
+                </p:cond>
+              </p:prevCondLst>
+              <p:nextCondLst>
+                <p:cond evt="onNext" delay="0">
+                  <p:tgtEl>
+                    <p:sldTgt/>
+                  </p:tgtEl>
+                </p:cond>
+              </p:nextCondLst>
+            </p:seq>
+          </p:childTnLst>
+        </p:cTn>
       </p:par>
     </p:tnLst>
+    <p:bldLst>
+      <p:bldP spid="22" grpId="0"/>
+      <p:bldP spid="23" grpId="0"/>
+      <p:bldP spid="24" grpId="0"/>
+      <p:bldP spid="25" grpId="0"/>
+      <p:bldP spid="26" grpId="0" animBg="1"/>
+    </p:bldLst>
   </p:timing>
 </p:sld>
 </file>
